--- a/lrebuffi/1.Methods for beamline simulations/Introduction_to_Hybrid.pptx
+++ b/lrebuffi/1.Methods for beamline simulations/Introduction_to_Hybrid.pptx
@@ -1440,7 +1440,7 @@
           <a:noFill/>
           <a:extLst>
             <a:ext uri="{909E8E84-426E-40dd-AFC4-6F175D3DCCD1}">
-              <a14:hiddenFill xmlns:a14="http://schemas.microsoft.com/office/drawing/2010/main" xmlns="">
+              <a14:hiddenFill xmlns="" xmlns:a14="http://schemas.microsoft.com/office/drawing/2010/main">
                 <a:solidFill>
                   <a:srgbClr val="FFFFFF"/>
                 </a:solidFill>
@@ -1692,7 +1692,7 @@
           <a:p>
             <a:fld id="{228C7E83-4023-44EE-B544-4BDA090BAE72}" type="datetimeFigureOut">
               <a:rPr lang="en-US" smtClean="0"/>
-              <a:t>12/8/2019</a:t>
+              <a:t>5/11/25</a:t>
             </a:fld>
             <a:endParaRPr lang="en-US"/>
           </a:p>
@@ -3610,10 +3610,10 @@
       </p:sp>
       <p:pic>
         <p:nvPicPr>
-          <p:cNvPr id="2" name="Picture 1">
+          <p:cNvPr id="4" name="Picture 3" descr="A diagram of a graph&#10;&#10;AI-generated content may be incorrect.">
             <a:extLst>
               <a:ext uri="{FF2B5EF4-FFF2-40B4-BE49-F238E27FC236}">
-                <a16:creationId xmlns:a16="http://schemas.microsoft.com/office/drawing/2014/main" id="{359ABD16-628D-4FB2-87C5-EE7975577970}"/>
+                <a16:creationId xmlns:a16="http://schemas.microsoft.com/office/drawing/2014/main" id="{2BAA51B4-9855-E40B-320C-1576F07CB4B2}"/>
               </a:ext>
             </a:extLst>
           </p:cNvPr>
@@ -3623,15 +3623,20 @@
           <p:nvPr/>
         </p:nvPicPr>
         <p:blipFill>
-          <a:blip r:embed="rId2"/>
-          <a:stretch>
-            <a:fillRect/>
-          </a:stretch>
+          <a:blip r:embed="rId2">
+            <a:extLst>
+              <a:ext uri="{28A0092B-C50C-407E-A947-70E740481C1C}">
+                <a14:useLocalDpi xmlns:a14="http://schemas.microsoft.com/office/drawing/2010/main" val="0"/>
+              </a:ext>
+            </a:extLst>
+          </a:blip>
+          <a:srcRect l="364" t="908" r="-364" b="1"/>
+          <a:stretch/>
         </p:blipFill>
         <p:spPr>
           <a:xfrm>
-            <a:off x="2850323" y="827449"/>
-            <a:ext cx="6682423" cy="5932894"/>
+            <a:off x="3565132" y="775772"/>
+            <a:ext cx="5363111" cy="6006056"/>
           </a:xfrm>
           <a:prstGeom prst="rect">
             <a:avLst/>
@@ -3715,10 +3720,10 @@
       </p:sp>
       <p:pic>
         <p:nvPicPr>
-          <p:cNvPr id="3" name="Picture 2">
+          <p:cNvPr id="4" name="Picture 3" descr="A diagram of a diagram&#10;&#10;AI-generated content may be incorrect.">
             <a:extLst>
               <a:ext uri="{FF2B5EF4-FFF2-40B4-BE49-F238E27FC236}">
-                <a16:creationId xmlns:a16="http://schemas.microsoft.com/office/drawing/2014/main" id="{EF186E31-E35D-4227-9997-A9325DE380C9}"/>
+                <a16:creationId xmlns:a16="http://schemas.microsoft.com/office/drawing/2014/main" id="{CF480228-5F59-BBA3-3157-632B2C66D9B7}"/>
               </a:ext>
             </a:extLst>
           </p:cNvPr>
@@ -3727,15 +3732,22 @@
           </p:cNvPicPr>
           <p:nvPr/>
         </p:nvPicPr>
-        <p:blipFill rotWithShape="1">
-          <a:blip r:embed="rId2"/>
-          <a:srcRect t="701"/>
-          <a:stretch/>
+        <p:blipFill>
+          <a:blip r:embed="rId2">
+            <a:extLst>
+              <a:ext uri="{28A0092B-C50C-407E-A947-70E740481C1C}">
+                <a14:useLocalDpi xmlns:a14="http://schemas.microsoft.com/office/drawing/2010/main" val="0"/>
+              </a:ext>
+            </a:extLst>
+          </a:blip>
+          <a:stretch>
+            <a:fillRect/>
+          </a:stretch>
         </p:blipFill>
         <p:spPr>
           <a:xfrm>
-            <a:off x="3487333" y="882869"/>
-            <a:ext cx="5590550" cy="5679888"/>
+            <a:off x="3649806" y="823937"/>
+            <a:ext cx="5240375" cy="6034063"/>
           </a:xfrm>
           <a:prstGeom prst="rect">
             <a:avLst/>
